--- a/HAC presentation.pptx
+++ b/HAC presentation.pptx
@@ -9,12 +9,14 @@
     <p:sldId id="259" r:id="rId3"/>
     <p:sldId id="258" r:id="rId4"/>
     <p:sldId id="262" r:id="rId5"/>
-    <p:sldId id="263" r:id="rId6"/>
-    <p:sldId id="261" r:id="rId7"/>
-    <p:sldId id="264" r:id="rId8"/>
-    <p:sldId id="265" r:id="rId9"/>
-    <p:sldId id="266" r:id="rId10"/>
-    <p:sldId id="260" r:id="rId11"/>
+    <p:sldId id="267" r:id="rId6"/>
+    <p:sldId id="263" r:id="rId7"/>
+    <p:sldId id="261" r:id="rId8"/>
+    <p:sldId id="264" r:id="rId9"/>
+    <p:sldId id="265" r:id="rId10"/>
+    <p:sldId id="268" r:id="rId11"/>
+    <p:sldId id="266" r:id="rId12"/>
+    <p:sldId id="260" r:id="rId13"/>
   </p:sldIdLst>
   <p:sldSz cx="9144000" cy="6858000" type="screen4x3"/>
   <p:notesSz cx="6858000" cy="9144000"/>
@@ -310,7 +312,7 @@
             <a:fld id="{451DEABC-D766-4322-8E78-B830FAE35C72}" type="datetime4">
               <a:rPr lang="en-US" smtClean="0"/>
               <a:pPr/>
-              <a:t>April 8, 2015</a:t>
+              <a:t>April 17, 2015</a:t>
             </a:fld>
             <a:endParaRPr lang="en-US" dirty="0"/>
           </a:p>
@@ -577,7 +579,7 @@
             <a:fld id="{F3131F9E-604E-4343-9F29-EF72E8231CAD}" type="datetime4">
               <a:rPr lang="en-US" smtClean="0"/>
               <a:pPr/>
-              <a:t>April 8, 2015</a:t>
+              <a:t>April 17, 2015</a:t>
             </a:fld>
             <a:endParaRPr lang="en-US"/>
           </a:p>
@@ -754,7 +756,7 @@
             <a:fld id="{34A8E1CE-37F8-4102-8DF9-852A0A51F293}" type="datetime4">
               <a:rPr lang="en-US" smtClean="0"/>
               <a:pPr/>
-              <a:t>April 8, 2015</a:t>
+              <a:t>April 17, 2015</a:t>
             </a:fld>
             <a:endParaRPr lang="en-US"/>
           </a:p>
@@ -921,7 +923,7 @@
             <a:fld id="{93333F43-3E86-47E4-BFBB-2476D384E1C6}" type="datetime4">
               <a:rPr lang="en-US" smtClean="0"/>
               <a:pPr/>
-              <a:t>April 8, 2015</a:t>
+              <a:t>April 17, 2015</a:t>
             </a:fld>
             <a:endParaRPr lang="en-US"/>
           </a:p>
@@ -1172,7 +1174,7 @@
             <a:fld id="{751663BA-01FC-4367-B6F3-ABB2645D55F1}" type="datetime4">
               <a:rPr lang="en-US" smtClean="0"/>
               <a:pPr/>
-              <a:t>April 8, 2015</a:t>
+              <a:t>April 17, 2015</a:t>
             </a:fld>
             <a:endParaRPr lang="en-US" dirty="0"/>
           </a:p>
@@ -1457,7 +1459,7 @@
             <a:fld id="{79B19C71-EC74-44AF-B27E-FC7DC3C3A61D}" type="datetime4">
               <a:rPr lang="en-US" smtClean="0"/>
               <a:pPr/>
-              <a:t>April 8, 2015</a:t>
+              <a:t>April 17, 2015</a:t>
             </a:fld>
             <a:endParaRPr lang="en-US"/>
           </a:p>
@@ -1898,7 +1900,7 @@
             <a:fld id="{6A5CDA29-3CBE-48EA-92AE-A996835462BA}" type="datetime4">
               <a:rPr lang="en-US" smtClean="0"/>
               <a:pPr/>
-              <a:t>April 8, 2015</a:t>
+              <a:t>April 17, 2015</a:t>
             </a:fld>
             <a:endParaRPr lang="en-US"/>
           </a:p>
@@ -2013,7 +2015,7 @@
             <a:fld id="{E29EC054-3869-4501-B163-1BBFDE8DCE04}" type="datetime4">
               <a:rPr lang="en-US" smtClean="0"/>
               <a:pPr/>
-              <a:t>April 8, 2015</a:t>
+              <a:t>April 17, 2015</a:t>
             </a:fld>
             <a:endParaRPr lang="en-US"/>
           </a:p>
@@ -2105,7 +2107,7 @@
             <a:fld id="{0A63D831-56C1-49CF-8EF7-8B9A98402BCD}" type="datetime4">
               <a:rPr lang="en-US" smtClean="0"/>
               <a:pPr/>
-              <a:t>April 8, 2015</a:t>
+              <a:t>April 17, 2015</a:t>
             </a:fld>
             <a:endParaRPr lang="en-US"/>
           </a:p>
@@ -2349,7 +2351,7 @@
             <a:fld id="{6EAD5615-7F4F-4584-84D5-CC95918C321F}" type="datetime4">
               <a:rPr lang="en-US" smtClean="0"/>
               <a:pPr/>
-              <a:t>April 8, 2015</a:t>
+              <a:t>April 17, 2015</a:t>
             </a:fld>
             <a:endParaRPr lang="en-US"/>
           </a:p>
@@ -2645,7 +2647,7 @@
             <a:fld id="{76EEA923-9BEE-48CE-9F28-5B525F399BAD}" type="datetime4">
               <a:rPr lang="en-US" smtClean="0"/>
               <a:pPr/>
-              <a:t>April 8, 2015</a:t>
+              <a:t>April 17, 2015</a:t>
             </a:fld>
             <a:endParaRPr lang="en-US"/>
           </a:p>
@@ -2941,7 +2943,7 @@
             <a:fld id="{17D0EFEE-2756-4A20-BF2A-63F0A94F99AC}" type="datetime4">
               <a:rPr lang="en-US" smtClean="0"/>
               <a:pPr/>
-              <a:t>April 8, 2015</a:t>
+              <a:t>April 17, 2015</a:t>
             </a:fld>
             <a:endParaRPr lang="en-US" dirty="0"/>
           </a:p>
@@ -3542,6 +3544,237 @@
           <a:p>
             <a:r>
               <a:rPr lang="en-US" dirty="0" smtClean="0"/>
+              <a:t>Is the net torn?</a:t>
+            </a:r>
+            <a:endParaRPr lang="en-US" dirty="0"/>
+          </a:p>
+        </p:txBody>
+      </p:sp>
+      <p:sp>
+        <p:nvSpPr>
+          <p:cNvPr id="3" name="Content Placeholder 2"/>
+          <p:cNvSpPr>
+            <a:spLocks noGrp="1"/>
+          </p:cNvSpPr>
+          <p:nvPr>
+            <p:ph idx="1"/>
+          </p:nvPr>
+        </p:nvSpPr>
+        <p:spPr/>
+        <p:txBody>
+          <a:bodyPr/>
+          <a:lstStyle/>
+          <a:p>
+            <a:r>
+              <a:rPr lang="en-US" dirty="0" smtClean="0"/>
+              <a:t>Potential explanations for heavier HAC fines for safety net hospitals:</a:t>
+            </a:r>
+          </a:p>
+          <a:p>
+            <a:pPr marL="342900" indent="-342900">
+              <a:buFontTx/>
+              <a:buChar char="•"/>
+            </a:pPr>
+            <a:r>
+              <a:rPr lang="en-US" dirty="0" smtClean="0"/>
+              <a:t>Chance – it’s a blip or a California thing.</a:t>
+            </a:r>
+          </a:p>
+          <a:p>
+            <a:pPr marL="342900" indent="-342900">
+              <a:buFontTx/>
+              <a:buChar char="•"/>
+            </a:pPr>
+            <a:r>
+              <a:rPr lang="en-US" dirty="0" smtClean="0"/>
+              <a:t>Safety nets do worse on </a:t>
+            </a:r>
+            <a:r>
+              <a:rPr lang="en-US" i="1" u="sng" dirty="0" smtClean="0"/>
+              <a:t>all</a:t>
+            </a:r>
+            <a:r>
+              <a:rPr lang="en-US" dirty="0" smtClean="0"/>
+              <a:t> the </a:t>
+            </a:r>
+            <a:r>
+              <a:rPr lang="en-US" dirty="0" err="1" smtClean="0"/>
+              <a:t>Obamacare</a:t>
+            </a:r>
+            <a:r>
+              <a:rPr lang="en-US" dirty="0" smtClean="0"/>
+              <a:t> metrics, including readmissions and value-based purchasing. Why should HACs be different?</a:t>
+            </a:r>
+          </a:p>
+          <a:p>
+            <a:pPr marL="342900" indent="-342900">
+              <a:buFontTx/>
+              <a:buChar char="•"/>
+            </a:pPr>
+            <a:r>
+              <a:rPr lang="en-US" dirty="0" smtClean="0"/>
+              <a:t>HAC scores are based largely on billing records; incorrect </a:t>
+            </a:r>
+            <a:r>
+              <a:rPr lang="en-US" smtClean="0"/>
+              <a:t>coding of </a:t>
+            </a:r>
+            <a:r>
+              <a:rPr lang="en-US" dirty="0" smtClean="0"/>
+              <a:t>bills could explain the problem.</a:t>
+            </a:r>
+          </a:p>
+          <a:p>
+            <a:pPr marL="342900" indent="-342900">
+              <a:buFontTx/>
+              <a:buChar char="•"/>
+            </a:pPr>
+            <a:r>
+              <a:rPr lang="en-US" dirty="0" smtClean="0"/>
+              <a:t>Safety net patients don’t see doctors frequently; they are sicker and more prone to infection than patients at other hospitals.</a:t>
+            </a:r>
+            <a:endParaRPr lang="en-US" dirty="0"/>
+          </a:p>
+        </p:txBody>
+      </p:sp>
+    </p:spTree>
+    <p:extLst>
+      <p:ext uri="{BB962C8B-B14F-4D97-AF65-F5344CB8AC3E}">
+        <p14:creationId xmlns:p14="http://schemas.microsoft.com/office/powerpoint/2010/main" val="408037410"/>
+      </p:ext>
+    </p:extLst>
+  </p:cSld>
+  <p:clrMapOvr>
+    <a:masterClrMapping/>
+  </p:clrMapOvr>
+</p:sld>
+</file>
+
+<file path=ppt/slides/slide11.xml><?xml version="1.0" encoding="utf-8"?>
+<p:sld xmlns:a="http://schemas.openxmlformats.org/drawingml/2006/main" xmlns:r="http://schemas.openxmlformats.org/officeDocument/2006/relationships" xmlns:p="http://schemas.openxmlformats.org/presentationml/2006/main">
+  <p:cSld>
+    <p:spTree>
+      <p:nvGrpSpPr>
+        <p:cNvPr id="1" name=""/>
+        <p:cNvGrpSpPr/>
+        <p:nvPr/>
+      </p:nvGrpSpPr>
+      <p:grpSpPr>
+        <a:xfrm>
+          <a:off x="0" y="0"/>
+          <a:ext cx="0" cy="0"/>
+          <a:chOff x="0" y="0"/>
+          <a:chExt cx="0" cy="0"/>
+        </a:xfrm>
+      </p:grpSpPr>
+      <p:sp>
+        <p:nvSpPr>
+          <p:cNvPr id="2" name="Title 1"/>
+          <p:cNvSpPr>
+            <a:spLocks noGrp="1"/>
+          </p:cNvSpPr>
+          <p:nvPr>
+            <p:ph type="title"/>
+          </p:nvPr>
+        </p:nvSpPr>
+        <p:spPr/>
+        <p:txBody>
+          <a:bodyPr/>
+          <a:lstStyle/>
+          <a:p>
+            <a:r>
+              <a:rPr lang="en-US" dirty="0" smtClean="0"/>
+              <a:t>Other sources</a:t>
+            </a:r>
+            <a:endParaRPr lang="en-US" dirty="0"/>
+          </a:p>
+        </p:txBody>
+      </p:sp>
+      <p:sp>
+        <p:nvSpPr>
+          <p:cNvPr id="3" name="Content Placeholder 2"/>
+          <p:cNvSpPr>
+            <a:spLocks noGrp="1"/>
+          </p:cNvSpPr>
+          <p:nvPr>
+            <p:ph idx="1"/>
+          </p:nvPr>
+        </p:nvSpPr>
+        <p:spPr/>
+        <p:txBody>
+          <a:bodyPr>
+            <a:normAutofit/>
+          </a:bodyPr>
+          <a:lstStyle/>
+          <a:p>
+            <a:r>
+              <a:rPr lang="en-US" sz="2800" dirty="0" smtClean="0"/>
+              <a:t>CDC: Has a site devoted to the subject; publishes an extensive annual report with state-by-state statistics.</a:t>
+            </a:r>
+          </a:p>
+          <a:p>
+            <a:r>
+              <a:rPr lang="en-US" sz="2800" dirty="0" smtClean="0"/>
+              <a:t>California Department of Public Health: Posts hospital statistics for CLABSI, C. diff., MRSA, several SSIs and VRE in its Open Data Portal.</a:t>
+            </a:r>
+            <a:endParaRPr lang="en-US" sz="2800" dirty="0"/>
+          </a:p>
+        </p:txBody>
+      </p:sp>
+    </p:spTree>
+    <p:extLst>
+      <p:ext uri="{BB962C8B-B14F-4D97-AF65-F5344CB8AC3E}">
+        <p14:creationId xmlns:p14="http://schemas.microsoft.com/office/powerpoint/2010/main" val="3460069200"/>
+      </p:ext>
+    </p:extLst>
+  </p:cSld>
+  <p:clrMapOvr>
+    <a:masterClrMapping/>
+  </p:clrMapOvr>
+  <p:timing>
+    <p:tnLst>
+      <p:par>
+        <p:cTn xmlns:p14="http://schemas.microsoft.com/office/powerpoint/2010/main" id="1" dur="indefinite" restart="never" nodeType="tmRoot"/>
+      </p:par>
+    </p:tnLst>
+  </p:timing>
+</p:sld>
+</file>
+
+<file path=ppt/slides/slide12.xml><?xml version="1.0" encoding="utf-8"?>
+<p:sld xmlns:a="http://schemas.openxmlformats.org/drawingml/2006/main" xmlns:r="http://schemas.openxmlformats.org/officeDocument/2006/relationships" xmlns:p="http://schemas.openxmlformats.org/presentationml/2006/main">
+  <p:cSld>
+    <p:spTree>
+      <p:nvGrpSpPr>
+        <p:cNvPr id="1" name=""/>
+        <p:cNvGrpSpPr/>
+        <p:nvPr/>
+      </p:nvGrpSpPr>
+      <p:grpSpPr>
+        <a:xfrm>
+          <a:off x="0" y="0"/>
+          <a:ext cx="0" cy="0"/>
+          <a:chOff x="0" y="0"/>
+          <a:chExt cx="0" cy="0"/>
+        </a:xfrm>
+      </p:grpSpPr>
+      <p:sp>
+        <p:nvSpPr>
+          <p:cNvPr id="2" name="Title 1"/>
+          <p:cNvSpPr>
+            <a:spLocks noGrp="1"/>
+          </p:cNvSpPr>
+          <p:nvPr>
+            <p:ph type="title"/>
+          </p:nvPr>
+        </p:nvSpPr>
+        <p:spPr/>
+        <p:txBody>
+          <a:bodyPr/>
+          <a:lstStyle/>
+          <a:p>
+            <a:r>
+              <a:rPr lang="en-US" dirty="0" smtClean="0"/>
               <a:t>One more time</a:t>
             </a:r>
             <a:endParaRPr lang="en-US" dirty="0"/>
@@ -4007,7 +4240,7 @@
           <a:p>
             <a:r>
               <a:rPr lang="en-US" dirty="0" smtClean="0"/>
-              <a:t>CMS data – no fines</a:t>
+              <a:t>Bottom line</a:t>
             </a:r>
             <a:endParaRPr lang="en-US" dirty="0"/>
           </a:p>
@@ -4032,93 +4265,44 @@
           <a:p>
             <a:r>
               <a:rPr lang="en-US" sz="2800" dirty="0" smtClean="0"/>
-              <a:t>Hospital Compare</a:t>
-            </a:r>
-          </a:p>
-          <a:p>
-            <a:r>
-              <a:rPr lang="en-US" sz="2800" dirty="0" smtClean="0"/>
-              <a:t>Healthcare-Associated Infections</a:t>
-            </a:r>
-          </a:p>
-          <a:p>
-            <a:pPr marL="457200" indent="-457200">
-              <a:buFont typeface="Arial"/>
+              <a:t>In Fiscal Year 2015:</a:t>
+            </a:r>
+          </a:p>
+          <a:p>
+            <a:pPr marL="342900" indent="-342900">
+              <a:buFontTx/>
               <a:buChar char="•"/>
             </a:pPr>
             <a:r>
-              <a:rPr lang="en-US" sz="2400" dirty="0" smtClean="0"/>
-              <a:t>Includes CLABSI, CAUTI and more:</a:t>
-            </a:r>
-          </a:p>
-          <a:p>
-            <a:pPr marL="457200" indent="-457200">
-              <a:buFont typeface="Arial"/>
+              <a:rPr lang="en-US" sz="2800" u="sng" dirty="0" smtClean="0"/>
+              <a:t>724 hospitals </a:t>
+            </a:r>
+            <a:r>
+              <a:rPr lang="en-US" sz="2800" dirty="0" smtClean="0"/>
+              <a:t>nationwide penalized</a:t>
+            </a:r>
+          </a:p>
+          <a:p>
+            <a:pPr marL="342900" indent="-342900">
+              <a:buFontTx/>
               <a:buChar char="•"/>
             </a:pPr>
             <a:r>
-              <a:rPr lang="en-US" sz="2400" dirty="0" smtClean="0"/>
-              <a:t>Surgical Site Infections of the </a:t>
-            </a:r>
-            <a:r>
-              <a:rPr lang="en-US" sz="2400" dirty="0" smtClean="0"/>
-              <a:t>abdomen and colon</a:t>
-            </a:r>
-            <a:endParaRPr lang="en-US" sz="2400" dirty="0" smtClean="0"/>
-          </a:p>
-          <a:p>
-            <a:pPr marL="457200" indent="-457200">
-              <a:buFont typeface="Arial"/>
-              <a:buChar char="•"/>
-            </a:pPr>
-            <a:r>
-              <a:rPr lang="en-US" sz="2400" dirty="0" smtClean="0"/>
-              <a:t>MRSA</a:t>
-            </a:r>
-          </a:p>
-          <a:p>
-            <a:pPr marL="457200" indent="-457200">
-              <a:buFont typeface="Arial"/>
-              <a:buChar char="•"/>
-            </a:pPr>
-            <a:r>
-              <a:rPr lang="en-US" sz="2400" dirty="0" smtClean="0"/>
-              <a:t>Clostridium </a:t>
-            </a:r>
-            <a:r>
-              <a:rPr lang="en-US" sz="2400" dirty="0" err="1" smtClean="0"/>
-              <a:t>difficile</a:t>
-            </a:r>
-            <a:r>
-              <a:rPr lang="en-US" sz="2400" dirty="0" smtClean="0"/>
-              <a:t> (C. diff.) </a:t>
-            </a:r>
-          </a:p>
-          <a:p>
-            <a:pPr marL="457200" indent="-457200">
-              <a:buFont typeface="Arial"/>
-              <a:buChar char="•"/>
-            </a:pPr>
-            <a:r>
-              <a:rPr lang="en-US" sz="2400" dirty="0" smtClean="0"/>
-              <a:t>With national comparisons and </a:t>
-            </a:r>
-            <a:r>
-              <a:rPr lang="en-US" sz="2400" dirty="0" smtClean="0"/>
-              <a:t>0-</a:t>
-            </a:r>
-            <a:r>
-              <a:rPr lang="en-US" sz="2400" dirty="0" smtClean="0"/>
-              <a:t>to-10 scores.</a:t>
-            </a:r>
-            <a:endParaRPr lang="en-US" sz="2400" dirty="0"/>
+              <a:rPr lang="en-US" sz="2800" u="sng" dirty="0" smtClean="0"/>
+              <a:t>$373 million </a:t>
+            </a:r>
+            <a:r>
+              <a:rPr lang="en-US" sz="2800" dirty="0" smtClean="0"/>
+              <a:t>in reduced payments</a:t>
+            </a:r>
+            <a:endParaRPr lang="en-US" sz="2800" dirty="0"/>
           </a:p>
         </p:txBody>
       </p:sp>
     </p:spTree>
     <p:extLst>
       <p:ext uri="{BB962C8B-B14F-4D97-AF65-F5344CB8AC3E}">
-        <p14:creationId xmlns:p14="http://schemas.microsoft.com/office/powerpoint/2010/main" val="128233113"/>
+        <p14:creationId xmlns:p14="http://schemas.microsoft.com/office/powerpoint/2010/main" val="3362539615"/>
       </p:ext>
     </p:extLst>
   </p:cSld>
@@ -4164,65 +4348,110 @@
         </p:nvSpPr>
         <p:spPr/>
         <p:txBody>
+          <a:bodyPr/>
+          <a:lstStyle/>
+          <a:p>
+            <a:r>
+              <a:rPr lang="en-US" dirty="0" smtClean="0"/>
+              <a:t>CMS data – no fines</a:t>
+            </a:r>
+            <a:endParaRPr lang="en-US" dirty="0"/>
+          </a:p>
+        </p:txBody>
+      </p:sp>
+      <p:sp>
+        <p:nvSpPr>
+          <p:cNvPr id="3" name="Content Placeholder 2"/>
+          <p:cNvSpPr>
+            <a:spLocks noGrp="1"/>
+          </p:cNvSpPr>
+          <p:nvPr>
+            <p:ph idx="1"/>
+          </p:nvPr>
+        </p:nvSpPr>
+        <p:spPr/>
+        <p:txBody>
           <a:bodyPr>
             <a:normAutofit/>
           </a:bodyPr>
           <a:lstStyle/>
           <a:p>
             <a:r>
-              <a:rPr lang="en-US" sz="3200" dirty="0" smtClean="0"/>
-              <a:t>Old data, old excuse</a:t>
-            </a:r>
-            <a:endParaRPr lang="en-US" sz="3200" dirty="0"/>
-          </a:p>
-        </p:txBody>
-      </p:sp>
-      <p:sp>
-        <p:nvSpPr>
-          <p:cNvPr id="3" name="Content Placeholder 2"/>
-          <p:cNvSpPr>
-            <a:spLocks noGrp="1"/>
-          </p:cNvSpPr>
-          <p:nvPr>
-            <p:ph idx="1"/>
-          </p:nvPr>
-        </p:nvSpPr>
-        <p:spPr/>
-        <p:txBody>
-          <a:bodyPr>
-            <a:normAutofit lnSpcReduction="10000"/>
-          </a:bodyPr>
-          <a:lstStyle/>
-          <a:p>
-            <a:r>
-              <a:rPr lang="en-US" sz="3200" dirty="0" smtClean="0"/>
-              <a:t>Most of the data was collected in 2012 and 2013.</a:t>
-            </a:r>
-          </a:p>
-          <a:p>
-            <a:endParaRPr lang="en-US" sz="3200" dirty="0" smtClean="0"/>
-          </a:p>
-          <a:p>
-            <a:r>
-              <a:rPr lang="en-US" sz="3200" dirty="0" smtClean="0"/>
-              <a:t>Ventura County Medical Center score: 9.675 – second-highest in state</a:t>
-            </a:r>
-          </a:p>
-          <a:p>
-            <a:endParaRPr lang="en-US" sz="3200" dirty="0"/>
-          </a:p>
-          <a:p>
-            <a:r>
-              <a:rPr lang="en-US" sz="3200" dirty="0" smtClean="0"/>
-              <a:t>“These 2-year-old scores are not where we are now.”</a:t>
-            </a:r>
+              <a:rPr lang="en-US" sz="2800" dirty="0" smtClean="0"/>
+              <a:t>Hospital Compare</a:t>
+            </a:r>
+          </a:p>
+          <a:p>
+            <a:r>
+              <a:rPr lang="en-US" sz="2800" dirty="0" smtClean="0"/>
+              <a:t>Healthcare-Associated Infections</a:t>
+            </a:r>
+          </a:p>
+          <a:p>
+            <a:pPr marL="457200" indent="-457200">
+              <a:buFont typeface="Arial"/>
+              <a:buChar char="•"/>
+            </a:pPr>
+            <a:r>
+              <a:rPr lang="en-US" sz="2400" dirty="0" smtClean="0"/>
+              <a:t>Includes CLABSI, CAUTI and more:</a:t>
+            </a:r>
+          </a:p>
+          <a:p>
+            <a:pPr marL="457200" indent="-457200">
+              <a:buFont typeface="Arial"/>
+              <a:buChar char="•"/>
+            </a:pPr>
+            <a:r>
+              <a:rPr lang="en-US" sz="2400" dirty="0" smtClean="0"/>
+              <a:t>Surgical Site Infections of the abdomen and colon</a:t>
+            </a:r>
+          </a:p>
+          <a:p>
+            <a:pPr marL="457200" indent="-457200">
+              <a:buFont typeface="Arial"/>
+              <a:buChar char="•"/>
+            </a:pPr>
+            <a:r>
+              <a:rPr lang="en-US" sz="2400" dirty="0" smtClean="0"/>
+              <a:t>MRSA</a:t>
+            </a:r>
+          </a:p>
+          <a:p>
+            <a:pPr marL="457200" indent="-457200">
+              <a:buFont typeface="Arial"/>
+              <a:buChar char="•"/>
+            </a:pPr>
+            <a:r>
+              <a:rPr lang="en-US" sz="2400" dirty="0" smtClean="0"/>
+              <a:t>Clostridium </a:t>
+            </a:r>
+            <a:r>
+              <a:rPr lang="en-US" sz="2400" dirty="0" err="1" smtClean="0"/>
+              <a:t>difficile</a:t>
+            </a:r>
+            <a:r>
+              <a:rPr lang="en-US" sz="2400" dirty="0" smtClean="0"/>
+              <a:t> (C. diff.) </a:t>
+            </a:r>
+          </a:p>
+          <a:p>
+            <a:pPr marL="457200" indent="-457200">
+              <a:buFont typeface="Arial"/>
+              <a:buChar char="•"/>
+            </a:pPr>
+            <a:r>
+              <a:rPr lang="en-US" sz="2400" dirty="0" smtClean="0"/>
+              <a:t>With national comparisons and 0-to-10 scores.</a:t>
+            </a:r>
+            <a:endParaRPr lang="en-US" sz="2400" dirty="0"/>
           </a:p>
         </p:txBody>
       </p:sp>
     </p:spTree>
     <p:extLst>
       <p:ext uri="{BB962C8B-B14F-4D97-AF65-F5344CB8AC3E}">
-        <p14:creationId xmlns:p14="http://schemas.microsoft.com/office/powerpoint/2010/main" val="1056427904"/>
+        <p14:creationId xmlns:p14="http://schemas.microsoft.com/office/powerpoint/2010/main" val="128233113"/>
       </p:ext>
     </p:extLst>
   </p:cSld>
@@ -4268,77 +4497,70 @@
         </p:nvSpPr>
         <p:spPr/>
         <p:txBody>
-          <a:bodyPr/>
-          <a:lstStyle/>
-          <a:p>
-            <a:r>
-              <a:rPr lang="en-US" dirty="0" smtClean="0"/>
-              <a:t>Who is fined most?</a:t>
-            </a:r>
-            <a:endParaRPr lang="en-US" dirty="0"/>
-          </a:p>
-        </p:txBody>
-      </p:sp>
-      <p:sp>
-        <p:nvSpPr>
-          <p:cNvPr id="3" name="Content Placeholder 2"/>
-          <p:cNvSpPr>
-            <a:spLocks noGrp="1"/>
-          </p:cNvSpPr>
-          <p:nvPr>
-            <p:ph idx="1"/>
-          </p:nvPr>
-        </p:nvSpPr>
-        <p:spPr/>
-        <p:txBody>
           <a:bodyPr>
             <a:normAutofit/>
           </a:bodyPr>
           <a:lstStyle/>
           <a:p>
             <a:r>
-              <a:rPr lang="en-US" sz="2800" dirty="0" smtClean="0"/>
-              <a:t>In California, safety net hospitals are hit with HAC fines significantly more often than other hospitals. </a:t>
-            </a:r>
-          </a:p>
-          <a:p>
-            <a:endParaRPr lang="en-US" sz="2800" dirty="0" smtClean="0"/>
-          </a:p>
-          <a:p>
-            <a:r>
-              <a:rPr lang="en-US" sz="2800" dirty="0"/>
-              <a:t>	</a:t>
-            </a:r>
-            <a:r>
-              <a:rPr lang="en-US" sz="2800" dirty="0" smtClean="0"/>
-              <a:t>		Safety net		Other</a:t>
-            </a:r>
-          </a:p>
-          <a:p>
-            <a:r>
-              <a:rPr lang="en-US" sz="2800" dirty="0" smtClean="0"/>
-              <a:t>Count		74			223</a:t>
-            </a:r>
-          </a:p>
-          <a:p>
-            <a:r>
-              <a:rPr lang="en-US" sz="2800" dirty="0" smtClean="0"/>
-              <a:t>Median score	6.275			5.425</a:t>
-            </a:r>
-          </a:p>
-          <a:p>
-            <a:r>
-              <a:rPr lang="en-US" sz="2800" dirty="0" smtClean="0"/>
-              <a:t>% fined		33.8%		22.5%</a:t>
-            </a:r>
-            <a:endParaRPr lang="en-US" sz="2800" dirty="0"/>
+              <a:rPr lang="en-US" sz="3200" dirty="0" smtClean="0"/>
+              <a:t>Old data, old excuse</a:t>
+            </a:r>
+            <a:endParaRPr lang="en-US" sz="3200" dirty="0"/>
+          </a:p>
+        </p:txBody>
+      </p:sp>
+      <p:sp>
+        <p:nvSpPr>
+          <p:cNvPr id="3" name="Content Placeholder 2"/>
+          <p:cNvSpPr>
+            <a:spLocks noGrp="1"/>
+          </p:cNvSpPr>
+          <p:nvPr>
+            <p:ph idx="1"/>
+          </p:nvPr>
+        </p:nvSpPr>
+        <p:spPr/>
+        <p:txBody>
+          <a:bodyPr>
+            <a:normAutofit fontScale="92500" lnSpcReduction="20000"/>
+          </a:bodyPr>
+          <a:lstStyle/>
+          <a:p>
+            <a:r>
+              <a:rPr lang="en-US" sz="3200" dirty="0" smtClean="0"/>
+              <a:t>Most of the data was collected in 2012 and 2013.</a:t>
+            </a:r>
+          </a:p>
+          <a:p>
+            <a:endParaRPr lang="en-US" sz="3200" dirty="0" smtClean="0"/>
+          </a:p>
+          <a:p>
+            <a:r>
+              <a:rPr lang="en-US" sz="3200" dirty="0" smtClean="0"/>
+              <a:t>Ventura County Medical Center score: 9.675 – second-highest in </a:t>
+            </a:r>
+            <a:r>
+              <a:rPr lang="en-US" sz="3200" dirty="0" smtClean="0"/>
+              <a:t>state (and far larger than the top-ranked hospital)</a:t>
+            </a:r>
+            <a:endParaRPr lang="en-US" sz="3200" dirty="0" smtClean="0"/>
+          </a:p>
+          <a:p>
+            <a:endParaRPr lang="en-US" sz="3200" dirty="0"/>
+          </a:p>
+          <a:p>
+            <a:r>
+              <a:rPr lang="en-US" sz="3200" dirty="0" smtClean="0"/>
+              <a:t>“These 2-year-old scores are not where we are now.”</a:t>
+            </a:r>
           </a:p>
         </p:txBody>
       </p:sp>
     </p:spTree>
     <p:extLst>
       <p:ext uri="{BB962C8B-B14F-4D97-AF65-F5344CB8AC3E}">
-        <p14:creationId xmlns:p14="http://schemas.microsoft.com/office/powerpoint/2010/main" val="2847796560"/>
+        <p14:creationId xmlns:p14="http://schemas.microsoft.com/office/powerpoint/2010/main" val="1056427904"/>
       </p:ext>
     </p:extLst>
   </p:cSld>
@@ -4389,41 +4611,72 @@
           <a:p>
             <a:r>
               <a:rPr lang="en-US" dirty="0" smtClean="0"/>
-              <a:t>The big picture</a:t>
+              <a:t>Who is fined most?</a:t>
             </a:r>
             <a:endParaRPr lang="en-US" dirty="0"/>
           </a:p>
         </p:txBody>
       </p:sp>
-      <p:pic>
-        <p:nvPicPr>
-          <p:cNvPr id="9" name="Content Placeholder 8" descr="Rplot04.jpeg"/>
-          <p:cNvPicPr>
-            <a:picLocks noGrp="1" noChangeAspect="1"/>
-          </p:cNvPicPr>
+      <p:sp>
+        <p:nvSpPr>
+          <p:cNvPr id="3" name="Content Placeholder 2"/>
+          <p:cNvSpPr>
+            <a:spLocks noGrp="1"/>
+          </p:cNvSpPr>
           <p:nvPr>
             <p:ph idx="1"/>
           </p:nvPr>
-        </p:nvPicPr>
-        <p:blipFill>
-          <a:blip r:embed="rId2">
-            <a:extLst>
-              <a:ext uri="{28A0092B-C50C-407E-A947-70E740481C1C}">
-                <a14:useLocalDpi xmlns:a14="http://schemas.microsoft.com/office/drawing/2010/main" val="0"/>
-              </a:ext>
-            </a:extLst>
-          </a:blip>
-          <a:srcRect l="-14658" r="-14658"/>
-          <a:stretch>
-            <a:fillRect/>
-          </a:stretch>
-        </p:blipFill>
-        <p:spPr/>
-      </p:pic>
+        </p:nvSpPr>
+        <p:spPr/>
+        <p:txBody>
+          <a:bodyPr>
+            <a:normAutofit/>
+          </a:bodyPr>
+          <a:lstStyle/>
+          <a:p>
+            <a:r>
+              <a:rPr lang="en-US" sz="2800" dirty="0" smtClean="0"/>
+              <a:t>In California, safety net hospitals are hit with HAC fines significantly more often than other hospitals. </a:t>
+            </a:r>
+          </a:p>
+          <a:p>
+            <a:endParaRPr lang="en-US" sz="2800" dirty="0" smtClean="0"/>
+          </a:p>
+          <a:p>
+            <a:r>
+              <a:rPr lang="en-US" sz="2800" dirty="0"/>
+              <a:t>	</a:t>
+            </a:r>
+            <a:r>
+              <a:rPr lang="en-US" sz="2800" dirty="0" smtClean="0"/>
+              <a:t>		Safety net		Other</a:t>
+            </a:r>
+          </a:p>
+          <a:p>
+            <a:r>
+              <a:rPr lang="en-US" sz="2800" dirty="0" smtClean="0"/>
+              <a:t>Count		74			223</a:t>
+            </a:r>
+          </a:p>
+          <a:p>
+            <a:r>
+              <a:rPr lang="en-US" sz="2800" dirty="0" smtClean="0"/>
+              <a:t>Median score	6.275			5.425</a:t>
+            </a:r>
+          </a:p>
+          <a:p>
+            <a:r>
+              <a:rPr lang="en-US" sz="2800" dirty="0" smtClean="0"/>
+              <a:t>% fined		33.8%		22.5%</a:t>
+            </a:r>
+            <a:endParaRPr lang="en-US" sz="2800" dirty="0"/>
+          </a:p>
+        </p:txBody>
+      </p:sp>
     </p:spTree>
     <p:extLst>
       <p:ext uri="{BB962C8B-B14F-4D97-AF65-F5344CB8AC3E}">
-        <p14:creationId xmlns:p14="http://schemas.microsoft.com/office/powerpoint/2010/main" val="2582291695"/>
+        <p14:creationId xmlns:p14="http://schemas.microsoft.com/office/powerpoint/2010/main" val="2847796560"/>
       </p:ext>
     </p:extLst>
   </p:cSld>
@@ -4474,53 +4727,54 @@
           <a:p>
             <a:r>
               <a:rPr lang="en-US" dirty="0" smtClean="0"/>
-              <a:t>Other sources</a:t>
+              <a:t>The big picture</a:t>
             </a:r>
             <a:endParaRPr lang="en-US" dirty="0"/>
           </a:p>
         </p:txBody>
       </p:sp>
-      <p:sp>
-        <p:nvSpPr>
-          <p:cNvPr id="3" name="Content Placeholder 2"/>
-          <p:cNvSpPr>
-            <a:spLocks noGrp="1"/>
-          </p:cNvSpPr>
+      <p:pic>
+        <p:nvPicPr>
+          <p:cNvPr id="9" name="Content Placeholder 8" descr="Rplot04.jpeg"/>
+          <p:cNvPicPr>
+            <a:picLocks noGrp="1" noChangeAspect="1"/>
+          </p:cNvPicPr>
           <p:nvPr>
             <p:ph idx="1"/>
           </p:nvPr>
-        </p:nvSpPr>
-        <p:spPr/>
-        <p:txBody>
-          <a:bodyPr>
-            <a:normAutofit/>
-          </a:bodyPr>
-          <a:lstStyle/>
-          <a:p>
-            <a:r>
-              <a:rPr lang="en-US" sz="2800" dirty="0" smtClean="0"/>
-              <a:t>CDC: Has a site devoted to the subject; publishes an extensive annual report with state-by-state statistics.</a:t>
-            </a:r>
-          </a:p>
-          <a:p>
-            <a:r>
-              <a:rPr lang="en-US" sz="2800" dirty="0" smtClean="0"/>
-              <a:t>California Department of Public Health: Posts hospital statistics for CLABSI, C. diff., MRSA, several SSIs and VRE in its Open Data Portal.</a:t>
-            </a:r>
-            <a:endParaRPr lang="en-US" sz="2800" dirty="0"/>
-          </a:p>
-        </p:txBody>
-      </p:sp>
+        </p:nvPicPr>
+        <p:blipFill>
+          <a:blip r:embed="rId2">
+            <a:extLst>
+              <a:ext uri="{28A0092B-C50C-407E-A947-70E740481C1C}">
+                <a14:useLocalDpi xmlns:a14="http://schemas.microsoft.com/office/drawing/2010/main" val="0"/>
+              </a:ext>
+            </a:extLst>
+          </a:blip>
+          <a:srcRect l="-14658" r="-14658"/>
+          <a:stretch>
+            <a:fillRect/>
+          </a:stretch>
+        </p:blipFill>
+        <p:spPr/>
+      </p:pic>
     </p:spTree>
     <p:extLst>
       <p:ext uri="{BB962C8B-B14F-4D97-AF65-F5344CB8AC3E}">
-        <p14:creationId xmlns:p14="http://schemas.microsoft.com/office/powerpoint/2010/main" val="3460069200"/>
+        <p14:creationId xmlns:p14="http://schemas.microsoft.com/office/powerpoint/2010/main" val="2582291695"/>
       </p:ext>
     </p:extLst>
   </p:cSld>
   <p:clrMapOvr>
     <a:masterClrMapping/>
   </p:clrMapOvr>
+  <p:timing>
+    <p:tnLst>
+      <p:par>
+        <p:cTn xmlns:p14="http://schemas.microsoft.com/office/powerpoint/2010/main" id="1" dur="indefinite" restart="never" nodeType="tmRoot"/>
+      </p:par>
+    </p:tnLst>
+  </p:timing>
 </p:sld>
 </file>
 
